--- a/tecnica-de-pesquisa-na-web.pptx
+++ b/tecnica-de-pesquisa-na-web.pptx
@@ -1407,38 +1407,13 @@
                 <a:ea typeface="Verdana" panose="020B0604030504040204" pitchFamily="34" charset="0"/>
                 <a:cs typeface="Verdana" panose="020B0604030504040204" pitchFamily="34" charset="0"/>
               </a:rPr>
-              <a:t>Tema da apresentação</a:t>
-            </a:r>
-          </a:p>
-          <a:p>
-            <a:pPr>
-              <a:lnSpc>
-                <a:spcPct val="150000"/>
-              </a:lnSpc>
-            </a:pPr>
-            <a:r>
-              <a:rPr lang="pt-BR" sz="1000" dirty="0">
-                <a:latin typeface="Verdana" panose="020B0604030504040204" pitchFamily="34" charset="0"/>
-                <a:ea typeface="Verdana" panose="020B0604030504040204" pitchFamily="34" charset="0"/>
-                <a:cs typeface="Verdana" panose="020B0604030504040204" pitchFamily="34" charset="0"/>
-              </a:rPr>
-              <a:t>Data</a:t>
-            </a:r>
-          </a:p>
-          <a:p>
-            <a:pPr>
-              <a:lnSpc>
-                <a:spcPct val="150000"/>
-              </a:lnSpc>
-            </a:pPr>
-            <a:r>
-              <a:rPr lang="pt-BR" sz="1000" dirty="0">
-                <a:latin typeface="Verdana" panose="020B0604030504040204" pitchFamily="34" charset="0"/>
-                <a:ea typeface="Verdana" panose="020B0604030504040204" pitchFamily="34" charset="0"/>
-                <a:cs typeface="Verdana" panose="020B0604030504040204" pitchFamily="34" charset="0"/>
-              </a:rPr>
-              <a:t>Versão</a:t>
-            </a:r>
+              <a:t>TÉCNICAS DE PESQUISA NA WEB</a:t>
+            </a:r>
+            <a:endParaRPr lang="pt-BR" sz="1000" dirty="0">
+              <a:latin typeface="Verdana" panose="020B0604030504040204" pitchFamily="34" charset="0"/>
+              <a:ea typeface="Verdana" panose="020B0604030504040204" pitchFamily="34" charset="0"/>
+              <a:cs typeface="Verdana" panose="020B0604030504040204" pitchFamily="34" charset="0"/>
+            </a:endParaRPr>
           </a:p>
         </p:txBody>
       </p:sp>
@@ -2581,6 +2556,92 @@
   <p:clrMapOvr>
     <a:masterClrMapping/>
   </p:clrMapOvr>
+  <p:timing>
+    <p:tnLst>
+      <p:par>
+        <p:cTn id="1" dur="indefinite" restart="never" nodeType="tmRoot">
+          <p:childTnLst>
+            <p:seq concurrent="1" nextAc="seek">
+              <p:cTn id="2" dur="indefinite" nodeType="mainSeq">
+                <p:childTnLst>
+                  <p:par>
+                    <p:cTn id="3" fill="hold">
+                      <p:stCondLst>
+                        <p:cond delay="indefinite"/>
+                      </p:stCondLst>
+                      <p:childTnLst>
+                        <p:par>
+                          <p:cTn id="4" fill="hold">
+                            <p:stCondLst>
+                              <p:cond delay="0"/>
+                            </p:stCondLst>
+                            <p:childTnLst>
+                              <p:par>
+                                <p:cTn id="5" presetID="10" presetClass="entr" presetSubtype="0" fill="hold" grpId="0" nodeType="clickEffect">
+                                  <p:stCondLst>
+                                    <p:cond delay="0"/>
+                                  </p:stCondLst>
+                                  <p:childTnLst>
+                                    <p:set>
+                                      <p:cBhvr>
+                                        <p:cTn id="6" dur="1" fill="hold">
+                                          <p:stCondLst>
+                                            <p:cond delay="0"/>
+                                          </p:stCondLst>
+                                        </p:cTn>
+                                        <p:tgtEl>
+                                          <p:spTgt spid="5"/>
+                                        </p:tgtEl>
+                                        <p:attrNameLst>
+                                          <p:attrName>style.visibility</p:attrName>
+                                        </p:attrNameLst>
+                                      </p:cBhvr>
+                                      <p:to>
+                                        <p:strVal val="visible"/>
+                                      </p:to>
+                                    </p:set>
+                                    <p:animEffect transition="in" filter="fade">
+                                      <p:cBhvr>
+                                        <p:cTn id="7" dur="500"/>
+                                        <p:tgtEl>
+                                          <p:spTgt spid="5"/>
+                                        </p:tgtEl>
+                                      </p:cBhvr>
+                                    </p:animEffect>
+                                  </p:childTnLst>
+                                </p:cTn>
+                              </p:par>
+                            </p:childTnLst>
+                          </p:cTn>
+                        </p:par>
+                      </p:childTnLst>
+                    </p:cTn>
+                  </p:par>
+                </p:childTnLst>
+              </p:cTn>
+              <p:prevCondLst>
+                <p:cond evt="onPrev" delay="0">
+                  <p:tgtEl>
+                    <p:sldTgt/>
+                  </p:tgtEl>
+                </p:cond>
+              </p:prevCondLst>
+              <p:nextCondLst>
+                <p:cond evt="onNext" delay="0">
+                  <p:tgtEl>
+                    <p:sldTgt/>
+                  </p:tgtEl>
+                </p:cond>
+              </p:nextCondLst>
+            </p:seq>
+          </p:childTnLst>
+        </p:cTn>
+      </p:par>
+    </p:tnLst>
+    <p:bldLst>
+      <p:bldP spid="5" grpId="0" animBg="1"/>
+    </p:bldLst>
+  </p:timing>
 </p:sld>
 </file>
 
@@ -2918,6 +2979,92 @@
   <p:clrMapOvr>
     <a:masterClrMapping/>
   </p:clrMapOvr>
+  <p:timing>
+    <p:tnLst>
+      <p:par>
+        <p:cTn id="1" dur="indefinite" restart="never" nodeType="tmRoot">
+          <p:childTnLst>
+            <p:seq concurrent="1" nextAc="seek">
+              <p:cTn id="2" dur="indefinite" nodeType="mainSeq">
+                <p:childTnLst>
+                  <p:par>
+                    <p:cTn id="3" fill="hold">
+                      <p:stCondLst>
+                        <p:cond delay="indefinite"/>
+                      </p:stCondLst>
+                      <p:childTnLst>
+                        <p:par>
+                          <p:cTn id="4" fill="hold">
+                            <p:stCondLst>
+                              <p:cond delay="0"/>
+                            </p:stCondLst>
+                            <p:childTnLst>
+                              <p:par>
+                                <p:cTn id="5" presetID="10" presetClass="entr" presetSubtype="0" fill="hold" grpId="0" nodeType="clickEffect">
+                                  <p:stCondLst>
+                                    <p:cond delay="0"/>
+                                  </p:stCondLst>
+                                  <p:childTnLst>
+                                    <p:set>
+                                      <p:cBhvr>
+                                        <p:cTn id="6" dur="1" fill="hold">
+                                          <p:stCondLst>
+                                            <p:cond delay="0"/>
+                                          </p:stCondLst>
+                                        </p:cTn>
+                                        <p:tgtEl>
+                                          <p:spTgt spid="6"/>
+                                        </p:tgtEl>
+                                        <p:attrNameLst>
+                                          <p:attrName>style.visibility</p:attrName>
+                                        </p:attrNameLst>
+                                      </p:cBhvr>
+                                      <p:to>
+                                        <p:strVal val="visible"/>
+                                      </p:to>
+                                    </p:set>
+                                    <p:animEffect transition="in" filter="fade">
+                                      <p:cBhvr>
+                                        <p:cTn id="7" dur="500"/>
+                                        <p:tgtEl>
+                                          <p:spTgt spid="6"/>
+                                        </p:tgtEl>
+                                      </p:cBhvr>
+                                    </p:animEffect>
+                                  </p:childTnLst>
+                                </p:cTn>
+                              </p:par>
+                            </p:childTnLst>
+                          </p:cTn>
+                        </p:par>
+                      </p:childTnLst>
+                    </p:cTn>
+                  </p:par>
+                </p:childTnLst>
+              </p:cTn>
+              <p:prevCondLst>
+                <p:cond evt="onPrev" delay="0">
+                  <p:tgtEl>
+                    <p:sldTgt/>
+                  </p:tgtEl>
+                </p:cond>
+              </p:prevCondLst>
+              <p:nextCondLst>
+                <p:cond evt="onNext" delay="0">
+                  <p:tgtEl>
+                    <p:sldTgt/>
+                  </p:tgtEl>
+                </p:cond>
+              </p:nextCondLst>
+            </p:seq>
+          </p:childTnLst>
+        </p:cTn>
+      </p:par>
+    </p:tnLst>
+    <p:bldLst>
+      <p:bldP spid="6" grpId="0"/>
+    </p:bldLst>
+  </p:timing>
 </p:sld>
 </file>
 
@@ -3185,6 +3332,58 @@
           </a:extLst>
         </p:spPr>
       </p:pic>
+      <p:sp>
+        <p:nvSpPr>
+          <p:cNvPr id="3" name="Retângulo 2">
+            <a:extLst>
+              <a:ext uri="{FF2B5EF4-FFF2-40B4-BE49-F238E27FC236}">
+                <a16:creationId xmlns:a16="http://schemas.microsoft.com/office/drawing/2014/main" id="{A428F868-8FF0-4B24-BD88-57DB6623CDB9}"/>
+              </a:ext>
+            </a:extLst>
+          </p:cNvPr>
+          <p:cNvSpPr/>
+          <p:nvPr/>
+        </p:nvSpPr>
+        <p:spPr>
+          <a:xfrm>
+            <a:off x="3801035" y="5900834"/>
+            <a:ext cx="1057836" cy="553754"/>
+          </a:xfrm>
+          <a:prstGeom prst="rect">
+            <a:avLst/>
+          </a:prstGeom>
+          <a:solidFill>
+            <a:srgbClr val="F5F5EF"/>
+          </a:solidFill>
+          <a:ln>
+            <a:noFill/>
+          </a:ln>
+        </p:spPr>
+        <p:style>
+          <a:lnRef idx="2">
+            <a:schemeClr val="accent1">
+              <a:shade val="50000"/>
+            </a:schemeClr>
+          </a:lnRef>
+          <a:fillRef idx="1">
+            <a:schemeClr val="accent1"/>
+          </a:fillRef>
+          <a:effectRef idx="0">
+            <a:schemeClr val="accent1"/>
+          </a:effectRef>
+          <a:fontRef idx="minor">
+            <a:schemeClr val="lt1"/>
+          </a:fontRef>
+        </p:style>
+        <p:txBody>
+          <a:bodyPr rtlCol="0" anchor="ctr"/>
+          <a:lstStyle/>
+          <a:p>
+            <a:pPr algn="ctr"/>
+            <a:endParaRPr lang="pt-BR"/>
+          </a:p>
+        </p:txBody>
+      </p:sp>
     </p:spTree>
     <p:extLst>
       <p:ext uri="{BB962C8B-B14F-4D97-AF65-F5344CB8AC3E}">
@@ -3195,6 +3394,92 @@
   <p:clrMapOvr>
     <a:masterClrMapping/>
   </p:clrMapOvr>
+  <p:timing>
+    <p:tnLst>
+      <p:par>
+        <p:cTn id="1" dur="indefinite" restart="never" nodeType="tmRoot">
+          <p:childTnLst>
+            <p:seq concurrent="1" nextAc="seek">
+              <p:cTn id="2" dur="indefinite" nodeType="mainSeq">
+                <p:childTnLst>
+                  <p:par>
+                    <p:cTn id="3" fill="hold">
+                      <p:stCondLst>
+                        <p:cond delay="indefinite"/>
+                      </p:stCondLst>
+                      <p:childTnLst>
+                        <p:par>
+                          <p:cTn id="4" fill="hold">
+                            <p:stCondLst>
+                              <p:cond delay="0"/>
+                            </p:stCondLst>
+                            <p:childTnLst>
+                              <p:par>
+                                <p:cTn id="5" presetID="10" presetClass="entr" presetSubtype="0" fill="hold" grpId="0" nodeType="clickEffect">
+                                  <p:stCondLst>
+                                    <p:cond delay="0"/>
+                                  </p:stCondLst>
+                                  <p:childTnLst>
+                                    <p:set>
+                                      <p:cBhvr>
+                                        <p:cTn id="6" dur="1" fill="hold">
+                                          <p:stCondLst>
+                                            <p:cond delay="0"/>
+                                          </p:stCondLst>
+                                        </p:cTn>
+                                        <p:tgtEl>
+                                          <p:spTgt spid="8"/>
+                                        </p:tgtEl>
+                                        <p:attrNameLst>
+                                          <p:attrName>style.visibility</p:attrName>
+                                        </p:attrNameLst>
+                                      </p:cBhvr>
+                                      <p:to>
+                                        <p:strVal val="visible"/>
+                                      </p:to>
+                                    </p:set>
+                                    <p:animEffect transition="in" filter="fade">
+                                      <p:cBhvr>
+                                        <p:cTn id="7" dur="500"/>
+                                        <p:tgtEl>
+                                          <p:spTgt spid="8"/>
+                                        </p:tgtEl>
+                                      </p:cBhvr>
+                                    </p:animEffect>
+                                  </p:childTnLst>
+                                </p:cTn>
+                              </p:par>
+                            </p:childTnLst>
+                          </p:cTn>
+                        </p:par>
+                      </p:childTnLst>
+                    </p:cTn>
+                  </p:par>
+                </p:childTnLst>
+              </p:cTn>
+              <p:prevCondLst>
+                <p:cond evt="onPrev" delay="0">
+                  <p:tgtEl>
+                    <p:sldTgt/>
+                  </p:tgtEl>
+                </p:cond>
+              </p:prevCondLst>
+              <p:nextCondLst>
+                <p:cond evt="onNext" delay="0">
+                  <p:tgtEl>
+                    <p:sldTgt/>
+                  </p:tgtEl>
+                </p:cond>
+              </p:nextCondLst>
+            </p:seq>
+          </p:childTnLst>
+        </p:cTn>
+      </p:par>
+    </p:tnLst>
+    <p:bldLst>
+      <p:bldP spid="8" grpId="0"/>
+    </p:bldLst>
+  </p:timing>
 </p:sld>
 </file>
 
@@ -3704,7 +3989,7 @@
         </p:nvSpPr>
         <p:spPr>
           <a:xfrm>
-            <a:off x="254000" y="1270932"/>
+            <a:off x="254000" y="1662816"/>
             <a:ext cx="4622800" cy="3707468"/>
           </a:xfrm>
           <a:prstGeom prst="rect">
@@ -4540,7 +4825,7 @@
         </p:nvSpPr>
         <p:spPr>
           <a:xfrm>
-            <a:off x="4117179" y="1692604"/>
+            <a:off x="4250459" y="1692604"/>
             <a:ext cx="3691080" cy="461665"/>
           </a:xfrm>
           <a:prstGeom prst="rect">
@@ -4588,7 +4873,7 @@
         </p:nvSpPr>
         <p:spPr>
           <a:xfrm>
-            <a:off x="2969468" y="3225672"/>
+            <a:off x="2967912" y="3225672"/>
             <a:ext cx="6256174" cy="369332"/>
           </a:xfrm>
           <a:prstGeom prst="rect">
@@ -4726,7 +5011,7 @@
         </p:nvSpPr>
         <p:spPr>
           <a:xfrm>
-            <a:off x="4117178" y="1692604"/>
+            <a:off x="3694648" y="1692604"/>
             <a:ext cx="4802703" cy="461665"/>
           </a:xfrm>
           <a:prstGeom prst="rect">
@@ -4774,7 +5059,7 @@
         </p:nvSpPr>
         <p:spPr>
           <a:xfrm>
-            <a:off x="2969468" y="3225672"/>
+            <a:off x="2967912" y="3225672"/>
             <a:ext cx="6256174" cy="369332"/>
           </a:xfrm>
           <a:prstGeom prst="rect">
@@ -4944,7 +5229,7 @@
         </p:nvSpPr>
         <p:spPr>
           <a:xfrm>
-            <a:off x="4117178" y="1692604"/>
+            <a:off x="3694648" y="1692604"/>
             <a:ext cx="4802703" cy="461665"/>
           </a:xfrm>
           <a:prstGeom prst="rect">
@@ -4992,7 +5277,7 @@
         </p:nvSpPr>
         <p:spPr>
           <a:xfrm>
-            <a:off x="2969468" y="3225672"/>
+            <a:off x="2967912" y="3225672"/>
             <a:ext cx="6256174" cy="369332"/>
           </a:xfrm>
           <a:prstGeom prst="rect">
@@ -5142,7 +5427,7 @@
         </p:nvSpPr>
         <p:spPr>
           <a:xfrm>
-            <a:off x="3694647" y="1701569"/>
+            <a:off x="3694648" y="1701569"/>
             <a:ext cx="4802703" cy="461665"/>
           </a:xfrm>
           <a:prstGeom prst="rect">
@@ -5190,7 +5475,7 @@
         </p:nvSpPr>
         <p:spPr>
           <a:xfrm>
-            <a:off x="2969468" y="3225672"/>
+            <a:off x="2967912" y="3225672"/>
             <a:ext cx="6256174" cy="369332"/>
           </a:xfrm>
           <a:prstGeom prst="rect">
@@ -5315,7 +5600,7 @@
         </p:nvSpPr>
         <p:spPr>
           <a:xfrm>
-            <a:off x="3694647" y="1701569"/>
+            <a:off x="3694648" y="1701569"/>
             <a:ext cx="4802703" cy="461665"/>
           </a:xfrm>
           <a:prstGeom prst="rect">
@@ -5363,7 +5648,7 @@
         </p:nvSpPr>
         <p:spPr>
           <a:xfrm>
-            <a:off x="2969468" y="3225672"/>
+            <a:off x="2967912" y="3225672"/>
             <a:ext cx="6256174" cy="369332"/>
           </a:xfrm>
           <a:prstGeom prst="rect">

--- a/tecnica-de-pesquisa-na-web.pptx
+++ b/tecnica-de-pesquisa-na-web.pptx
@@ -4217,8 +4217,8 @@
         </p:nvSpPr>
         <p:spPr>
           <a:xfrm>
-            <a:off x="-104649" y="2513475"/>
-            <a:ext cx="4300131" cy="2273678"/>
+            <a:off x="119286" y="899280"/>
+            <a:ext cx="4300131" cy="1386721"/>
           </a:xfrm>
           <a:prstGeom prst="rect">
             <a:avLst/>
@@ -4379,6 +4379,224 @@
           </a:extLst>
         </p:spPr>
       </p:pic>
+      <p:sp>
+        <p:nvSpPr>
+          <p:cNvPr id="6" name="CaixaDeTexto 5">
+            <a:extLst>
+              <a:ext uri="{FF2B5EF4-FFF2-40B4-BE49-F238E27FC236}">
+                <a16:creationId xmlns:a16="http://schemas.microsoft.com/office/drawing/2014/main" id="{93A43FA5-6852-41B2-9A33-91A121728909}"/>
+              </a:ext>
+            </a:extLst>
+          </p:cNvPr>
+          <p:cNvSpPr txBox="1"/>
+          <p:nvPr/>
+        </p:nvSpPr>
+        <p:spPr>
+          <a:xfrm>
+            <a:off x="373224" y="2327302"/>
+            <a:ext cx="3498980" cy="3970318"/>
+          </a:xfrm>
+          <a:prstGeom prst="rect">
+            <a:avLst/>
+          </a:prstGeom>
+          <a:noFill/>
+        </p:spPr>
+        <p:txBody>
+          <a:bodyPr wrap="square">
+            <a:spAutoFit/>
+          </a:bodyPr>
+          <a:lstStyle/>
+          <a:p>
+            <a:pPr rtl="0" fontAlgn="base">
+              <a:spcBef>
+                <a:spcPts val="0"/>
+              </a:spcBef>
+              <a:spcAft>
+                <a:spcPts val="0"/>
+              </a:spcAft>
+            </a:pPr>
+            <a:r>
+              <a:rPr lang="pt-BR" dirty="0">
+                <a:solidFill>
+                  <a:srgbClr val="000000"/>
+                </a:solidFill>
+                <a:latin typeface="Calibri" panose="020F0502020204030204" pitchFamily="34" charset="0"/>
+              </a:rPr>
+              <a:t>Objetivos</a:t>
+            </a:r>
+            <a:endParaRPr lang="pt-BR" sz="1800" b="0" i="0" u="none" strike="noStrike" dirty="0">
+              <a:solidFill>
+                <a:srgbClr val="000000"/>
+              </a:solidFill>
+              <a:effectLst/>
+              <a:latin typeface="Calibri" panose="020F0502020204030204" pitchFamily="34" charset="0"/>
+            </a:endParaRPr>
+          </a:p>
+          <a:p>
+            <a:pPr rtl="0" fontAlgn="base">
+              <a:spcBef>
+                <a:spcPts val="0"/>
+              </a:spcBef>
+              <a:spcAft>
+                <a:spcPts val="0"/>
+              </a:spcAft>
+              <a:buFont typeface="+mj-lt"/>
+              <a:buAutoNum type="arabicPeriod"/>
+            </a:pPr>
+            <a:endParaRPr lang="pt-BR" dirty="0">
+              <a:solidFill>
+                <a:srgbClr val="000000"/>
+              </a:solidFill>
+              <a:latin typeface="Calibri" panose="020F0502020204030204" pitchFamily="34" charset="0"/>
+            </a:endParaRPr>
+          </a:p>
+          <a:p>
+            <a:pPr rtl="0" fontAlgn="base">
+              <a:spcBef>
+                <a:spcPts val="0"/>
+              </a:spcBef>
+              <a:spcAft>
+                <a:spcPts val="0"/>
+              </a:spcAft>
+              <a:buFont typeface="+mj-lt"/>
+              <a:buAutoNum type="arabicPeriod"/>
+            </a:pPr>
+            <a:r>
+              <a:rPr lang="pt-BR" sz="1800" b="0" i="0" u="none" strike="noStrike" dirty="0">
+                <a:solidFill>
+                  <a:srgbClr val="000000"/>
+                </a:solidFill>
+                <a:effectLst/>
+                <a:latin typeface="Calibri" panose="020F0502020204030204" pitchFamily="34" charset="0"/>
+              </a:rPr>
+              <a:t>Utilizar técnicas de pesquisa avançada no Google e outros buscadores.</a:t>
+            </a:r>
+          </a:p>
+          <a:p>
+            <a:pPr rtl="0" fontAlgn="base">
+              <a:spcBef>
+                <a:spcPts val="0"/>
+              </a:spcBef>
+              <a:spcAft>
+                <a:spcPts val="0"/>
+              </a:spcAft>
+              <a:buFont typeface="+mj-lt"/>
+              <a:buAutoNum type="arabicPeriod"/>
+            </a:pPr>
+            <a:endParaRPr lang="pt-BR" sz="1800" b="0" i="0" u="none" strike="noStrike" dirty="0">
+              <a:solidFill>
+                <a:srgbClr val="000000"/>
+              </a:solidFill>
+              <a:effectLst/>
+              <a:latin typeface="Calibri" panose="020F0502020204030204" pitchFamily="34" charset="0"/>
+            </a:endParaRPr>
+          </a:p>
+          <a:p>
+            <a:pPr rtl="0" fontAlgn="base">
+              <a:spcBef>
+                <a:spcPts val="0"/>
+              </a:spcBef>
+              <a:spcAft>
+                <a:spcPts val="0"/>
+              </a:spcAft>
+              <a:buFont typeface="+mj-lt"/>
+              <a:buAutoNum type="arabicPeriod"/>
+            </a:pPr>
+            <a:r>
+              <a:rPr lang="pt-BR" sz="1800" b="0" i="0" u="none" strike="noStrike" dirty="0">
+                <a:solidFill>
+                  <a:srgbClr val="000000"/>
+                </a:solidFill>
+                <a:effectLst/>
+                <a:latin typeface="Calibri" panose="020F0502020204030204" pitchFamily="34" charset="0"/>
+              </a:rPr>
+              <a:t>Empregar operadores lógicos e filtros para refinar buscas.</a:t>
+            </a:r>
+          </a:p>
+          <a:p>
+            <a:pPr rtl="0" fontAlgn="base">
+              <a:spcBef>
+                <a:spcPts val="0"/>
+              </a:spcBef>
+              <a:spcAft>
+                <a:spcPts val="0"/>
+              </a:spcAft>
+              <a:buFont typeface="+mj-lt"/>
+              <a:buAutoNum type="arabicPeriod"/>
+            </a:pPr>
+            <a:endParaRPr lang="pt-BR" sz="1800" b="0" i="0" u="none" strike="noStrike" dirty="0">
+              <a:solidFill>
+                <a:srgbClr val="000000"/>
+              </a:solidFill>
+              <a:effectLst/>
+              <a:latin typeface="Calibri" panose="020F0502020204030204" pitchFamily="34" charset="0"/>
+            </a:endParaRPr>
+          </a:p>
+          <a:p>
+            <a:pPr rtl="0" fontAlgn="base">
+              <a:spcBef>
+                <a:spcPts val="0"/>
+              </a:spcBef>
+              <a:spcAft>
+                <a:spcPts val="0"/>
+              </a:spcAft>
+              <a:buFont typeface="+mj-lt"/>
+              <a:buAutoNum type="arabicPeriod"/>
+            </a:pPr>
+            <a:r>
+              <a:rPr lang="pt-BR" sz="1800" b="0" i="0" u="none" strike="noStrike" dirty="0">
+                <a:solidFill>
+                  <a:srgbClr val="000000"/>
+                </a:solidFill>
+                <a:effectLst/>
+                <a:latin typeface="Calibri" panose="020F0502020204030204" pitchFamily="34" charset="0"/>
+              </a:rPr>
+              <a:t>Verificar a veracidade das informações encontradas online.</a:t>
+            </a:r>
+          </a:p>
+          <a:p>
+            <a:pPr rtl="0" fontAlgn="base">
+              <a:spcBef>
+                <a:spcPts val="0"/>
+              </a:spcBef>
+              <a:spcAft>
+                <a:spcPts val="0"/>
+              </a:spcAft>
+              <a:buFont typeface="+mj-lt"/>
+              <a:buAutoNum type="arabicPeriod"/>
+            </a:pPr>
+            <a:endParaRPr lang="pt-BR" sz="1800" b="0" i="0" u="none" strike="noStrike" dirty="0">
+              <a:solidFill>
+                <a:srgbClr val="000000"/>
+              </a:solidFill>
+              <a:effectLst/>
+              <a:latin typeface="Calibri" panose="020F0502020204030204" pitchFamily="34" charset="0"/>
+            </a:endParaRPr>
+          </a:p>
+          <a:p>
+            <a:pPr rtl="0" fontAlgn="base">
+              <a:spcBef>
+                <a:spcPts val="0"/>
+              </a:spcBef>
+              <a:spcAft>
+                <a:spcPts val="800"/>
+              </a:spcAft>
+              <a:buFont typeface="+mj-lt"/>
+              <a:buAutoNum type="arabicPeriod"/>
+            </a:pPr>
+            <a:r>
+              <a:rPr lang="pt-BR" sz="1800" b="0" i="0" u="none" strike="noStrike" dirty="0">
+                <a:solidFill>
+                  <a:srgbClr val="000000"/>
+                </a:solidFill>
+                <a:effectLst/>
+                <a:latin typeface="Calibri" panose="020F0502020204030204" pitchFamily="34" charset="0"/>
+              </a:rPr>
+              <a:t>Utilizar ferramentas de checagem e validação de fontes.</a:t>
+            </a:r>
+          </a:p>
+        </p:txBody>
+      </p:sp>
     </p:spTree>
     <p:extLst>
       <p:ext uri="{BB962C8B-B14F-4D97-AF65-F5344CB8AC3E}">
